--- a/2022년-1학기/2022년-1C(PBL)자료/프로젝트1(데이터분석SW)/프로젝트1_개발내용요약.pptx
+++ b/2022년-1학기/2022년-1C(PBL)자료/프로젝트1(데이터분석SW)/프로젝트1_개발내용요약.pptx
@@ -5,10 +5,11 @@
     <p:sldMasterId id="2147483648" r:id="rId1"/>
   </p:sldMasterIdLst>
   <p:notesMasterIdLst>
-    <p:notesMasterId r:id="rId3"/>
+    <p:notesMasterId r:id="rId4"/>
   </p:notesMasterIdLst>
   <p:sldIdLst>
     <p:sldId id="256" r:id="rId2"/>
+    <p:sldId id="257" r:id="rId3"/>
   </p:sldIdLst>
   <p:sldSz cx="12192000" cy="6858000"/>
   <p:notesSz cx="6858000" cy="9144000"/>
@@ -197,7 +198,7 @@
           <a:p>
             <a:fld id="{85263C2B-E17A-41DA-88CF-DC8DFC813E5C}" type="datetimeFigureOut">
               <a:rPr lang="ko-KR" altLang="en-US" smtClean="0"/>
-              <a:t>2022-04-27</a:t>
+              <a:t>2022-05-03</a:t>
             </a:fld>
             <a:endParaRPr lang="ko-KR" altLang="en-US"/>
           </a:p>
@@ -611,7 +612,7 @@
           <a:p>
             <a:fld id="{B2D17322-BFB9-44BF-90C8-FED53C1C3305}" type="datetimeFigureOut">
               <a:rPr lang="ko-KR" altLang="en-US" smtClean="0"/>
-              <a:t>2022-04-27</a:t>
+              <a:t>2022-05-03</a:t>
             </a:fld>
             <a:endParaRPr lang="ko-KR" altLang="en-US"/>
           </a:p>
@@ -809,7 +810,7 @@
           <a:p>
             <a:fld id="{B2D17322-BFB9-44BF-90C8-FED53C1C3305}" type="datetimeFigureOut">
               <a:rPr lang="ko-KR" altLang="en-US" smtClean="0"/>
-              <a:t>2022-04-27</a:t>
+              <a:t>2022-05-03</a:t>
             </a:fld>
             <a:endParaRPr lang="ko-KR" altLang="en-US"/>
           </a:p>
@@ -1017,7 +1018,7 @@
           <a:p>
             <a:fld id="{B2D17322-BFB9-44BF-90C8-FED53C1C3305}" type="datetimeFigureOut">
               <a:rPr lang="ko-KR" altLang="en-US" smtClean="0"/>
-              <a:t>2022-04-27</a:t>
+              <a:t>2022-05-03</a:t>
             </a:fld>
             <a:endParaRPr lang="ko-KR" altLang="en-US"/>
           </a:p>
@@ -1215,7 +1216,7 @@
           <a:p>
             <a:fld id="{B2D17322-BFB9-44BF-90C8-FED53C1C3305}" type="datetimeFigureOut">
               <a:rPr lang="ko-KR" altLang="en-US" smtClean="0"/>
-              <a:t>2022-04-27</a:t>
+              <a:t>2022-05-03</a:t>
             </a:fld>
             <a:endParaRPr lang="ko-KR" altLang="en-US"/>
           </a:p>
@@ -1490,7 +1491,7 @@
           <a:p>
             <a:fld id="{B2D17322-BFB9-44BF-90C8-FED53C1C3305}" type="datetimeFigureOut">
               <a:rPr lang="ko-KR" altLang="en-US" smtClean="0"/>
-              <a:t>2022-04-27</a:t>
+              <a:t>2022-05-03</a:t>
             </a:fld>
             <a:endParaRPr lang="ko-KR" altLang="en-US"/>
           </a:p>
@@ -1755,7 +1756,7 @@
           <a:p>
             <a:fld id="{B2D17322-BFB9-44BF-90C8-FED53C1C3305}" type="datetimeFigureOut">
               <a:rPr lang="ko-KR" altLang="en-US" smtClean="0"/>
-              <a:t>2022-04-27</a:t>
+              <a:t>2022-05-03</a:t>
             </a:fld>
             <a:endParaRPr lang="ko-KR" altLang="en-US"/>
           </a:p>
@@ -2167,7 +2168,7 @@
           <a:p>
             <a:fld id="{B2D17322-BFB9-44BF-90C8-FED53C1C3305}" type="datetimeFigureOut">
               <a:rPr lang="ko-KR" altLang="en-US" smtClean="0"/>
-              <a:t>2022-04-27</a:t>
+              <a:t>2022-05-03</a:t>
             </a:fld>
             <a:endParaRPr lang="ko-KR" altLang="en-US"/>
           </a:p>
@@ -2308,7 +2309,7 @@
           <a:p>
             <a:fld id="{B2D17322-BFB9-44BF-90C8-FED53C1C3305}" type="datetimeFigureOut">
               <a:rPr lang="ko-KR" altLang="en-US" smtClean="0"/>
-              <a:t>2022-04-27</a:t>
+              <a:t>2022-05-03</a:t>
             </a:fld>
             <a:endParaRPr lang="ko-KR" altLang="en-US"/>
           </a:p>
@@ -2421,7 +2422,7 @@
           <a:p>
             <a:fld id="{B2D17322-BFB9-44BF-90C8-FED53C1C3305}" type="datetimeFigureOut">
               <a:rPr lang="ko-KR" altLang="en-US" smtClean="0"/>
-              <a:t>2022-04-27</a:t>
+              <a:t>2022-05-03</a:t>
             </a:fld>
             <a:endParaRPr lang="ko-KR" altLang="en-US"/>
           </a:p>
@@ -2732,7 +2733,7 @@
           <a:p>
             <a:fld id="{B2D17322-BFB9-44BF-90C8-FED53C1C3305}" type="datetimeFigureOut">
               <a:rPr lang="ko-KR" altLang="en-US" smtClean="0"/>
-              <a:t>2022-04-27</a:t>
+              <a:t>2022-05-03</a:t>
             </a:fld>
             <a:endParaRPr lang="ko-KR" altLang="en-US"/>
           </a:p>
@@ -3020,7 +3021,7 @@
           <a:p>
             <a:fld id="{B2D17322-BFB9-44BF-90C8-FED53C1C3305}" type="datetimeFigureOut">
               <a:rPr lang="ko-KR" altLang="en-US" smtClean="0"/>
-              <a:t>2022-04-27</a:t>
+              <a:t>2022-05-03</a:t>
             </a:fld>
             <a:endParaRPr lang="ko-KR" altLang="en-US"/>
           </a:p>
@@ -3261,7 +3262,7 @@
           <a:p>
             <a:fld id="{B2D17322-BFB9-44BF-90C8-FED53C1C3305}" type="datetimeFigureOut">
               <a:rPr lang="ko-KR" altLang="en-US" smtClean="0"/>
-              <a:t>2022-04-27</a:t>
+              <a:t>2022-05-03</a:t>
             </a:fld>
             <a:endParaRPr lang="ko-KR" altLang="en-US"/>
           </a:p>
@@ -3985,7 +3986,7 @@
             <a:avLst/>
           </a:prstGeom>
           <a:solidFill>
-            <a:schemeClr val="accent5">
+            <a:schemeClr val="accent2">
               <a:lumMod val="60000"/>
               <a:lumOff val="40000"/>
             </a:schemeClr>
@@ -4016,20 +4017,12 @@
           <a:p>
             <a:pPr algn="ctr"/>
             <a:r>
-              <a:rPr lang="en-US" altLang="ko-KR" sz="1200" dirty="0">
-                <a:solidFill>
-                  <a:schemeClr val="tx1"/>
-                </a:solidFill>
-              </a:rPr>
-              <a:t>tag_ID_position.txt</a:t>
-            </a:r>
-            <a:r>
               <a:rPr lang="ko-KR" altLang="en-US" sz="1200" dirty="0">
                 <a:solidFill>
                   <a:schemeClr val="tx1"/>
                 </a:solidFill>
               </a:rPr>
-              <a:t>에 </a:t>
+              <a:t>타겟 아이디를</a:t>
             </a:r>
             <a:endParaRPr lang="en-US" altLang="ko-KR" sz="1200" dirty="0">
               <a:solidFill>
@@ -4040,42 +4033,29 @@
           <a:p>
             <a:pPr algn="ctr"/>
             <a:r>
-              <a:rPr lang="en-US" altLang="ko-KR" sz="1200" dirty="0" err="1">
-                <a:solidFill>
-                  <a:schemeClr val="tx1"/>
-                </a:solidFill>
-              </a:rPr>
-              <a:t>targetID</a:t>
-            </a:r>
-            <a:r>
-              <a:rPr lang="en-US" altLang="ko-KR" sz="1200" dirty="0">
-                <a:solidFill>
-                  <a:schemeClr val="tx1"/>
-                </a:solidFill>
-              </a:rPr>
-              <a:t> </a:t>
-            </a:r>
-            <a:r>
               <a:rPr lang="ko-KR" altLang="en-US" sz="1200" dirty="0">
                 <a:solidFill>
                   <a:schemeClr val="tx1"/>
                 </a:solidFill>
               </a:rPr>
-              <a:t>값 가져오기</a:t>
-            </a:r>
-            <a:r>
-              <a:rPr lang="en-US" altLang="ko-KR" sz="1200" dirty="0">
-                <a:solidFill>
-                  <a:schemeClr val="tx1"/>
-                </a:solidFill>
-              </a:rPr>
-              <a:t>(str)</a:t>
-            </a:r>
-            <a:endParaRPr lang="ko-KR" altLang="en-US" sz="1200" dirty="0">
+              <a:t>해당 함수에 </a:t>
+            </a:r>
+            <a:endParaRPr lang="en-US" altLang="ko-KR" sz="1200" dirty="0">
               <a:solidFill>
                 <a:schemeClr val="tx1"/>
               </a:solidFill>
             </a:endParaRPr>
+          </a:p>
+          <a:p>
+            <a:pPr algn="ctr"/>
+            <a:r>
+              <a:rPr lang="ko-KR" altLang="en-US" sz="1200" dirty="0">
+                <a:solidFill>
+                  <a:schemeClr val="tx1"/>
+                </a:solidFill>
+              </a:rPr>
+              <a:t>매개 변수로 전달</a:t>
+            </a:r>
           </a:p>
         </p:txBody>
       </p:sp>
@@ -4152,7 +4132,7 @@
             <a:avLst/>
           </a:prstGeom>
           <a:solidFill>
-            <a:schemeClr val="accent5">
+            <a:schemeClr val="accent2">
               <a:lumMod val="60000"/>
               <a:lumOff val="40000"/>
             </a:schemeClr>
@@ -4254,7 +4234,7 @@
             <a:avLst/>
           </a:prstGeom>
           <a:solidFill>
-            <a:schemeClr val="accent5">
+            <a:schemeClr val="accent2">
               <a:lumMod val="60000"/>
               <a:lumOff val="40000"/>
             </a:schemeClr>
@@ -4462,14 +4442,14 @@
         </p:nvSpPr>
         <p:spPr>
           <a:xfrm>
-            <a:off x="6768287" y="4398446"/>
+            <a:off x="6678950" y="4291555"/>
             <a:ext cx="1791038" cy="710634"/>
           </a:xfrm>
           <a:prstGeom prst="roundRect">
             <a:avLst/>
           </a:prstGeom>
           <a:solidFill>
-            <a:schemeClr val="accent5">
+            <a:schemeClr val="accent4">
               <a:lumMod val="60000"/>
               <a:lumOff val="40000"/>
             </a:schemeClr>
@@ -4500,20 +4480,28 @@
           <a:p>
             <a:pPr algn="ctr"/>
             <a:r>
-              <a:rPr lang="en-US" altLang="ko-KR" sz="1200" dirty="0" err="1">
-                <a:solidFill>
-                  <a:schemeClr val="tx1"/>
-                </a:solidFill>
-              </a:rPr>
-              <a:t>TargetID</a:t>
-            </a:r>
-            <a:r>
               <a:rPr lang="ko-KR" altLang="en-US" sz="1200" dirty="0">
                 <a:solidFill>
                   <a:schemeClr val="tx1"/>
                 </a:solidFill>
               </a:rPr>
-              <a:t>에 해당하는</a:t>
+              <a:t>타겟에 해당하는 </a:t>
+            </a:r>
+            <a:r>
+              <a:rPr lang="en-US" altLang="ko-KR" sz="1200" dirty="0">
+                <a:solidFill>
+                  <a:schemeClr val="tx1"/>
+                </a:solidFill>
+              </a:rPr>
+              <a:t>ID</a:t>
+            </a:r>
+            <a:r>
+              <a:rPr lang="ko-KR" altLang="en-US" sz="1200" dirty="0">
+                <a:solidFill>
+                  <a:schemeClr val="tx1"/>
+                </a:solidFill>
+              </a:rPr>
+              <a:t>의</a:t>
             </a:r>
             <a:endParaRPr lang="en-US" altLang="ko-KR" sz="1200" dirty="0">
               <a:solidFill>
@@ -4524,12 +4512,39 @@
           <a:p>
             <a:pPr algn="ctr"/>
             <a:r>
+              <a:rPr lang="en-US" altLang="ko-KR" sz="1200" dirty="0">
+                <a:solidFill>
+                  <a:schemeClr val="tx1"/>
+                </a:solidFill>
+              </a:rPr>
+              <a:t>&lt;RSSI,</a:t>
+            </a:r>
+            <a:r>
               <a:rPr lang="ko-KR" altLang="en-US" sz="1200" dirty="0">
                 <a:solidFill>
                   <a:schemeClr val="tx1"/>
                 </a:solidFill>
               </a:rPr>
-              <a:t>값 평균 데이터 계산</a:t>
+              <a:t> 인터벌</a:t>
+            </a:r>
+            <a:r>
+              <a:rPr lang="en-US" altLang="ko-KR" sz="1200" dirty="0">
+                <a:solidFill>
+                  <a:schemeClr val="tx1"/>
+                </a:solidFill>
+              </a:rPr>
+              <a:t>&gt;</a:t>
+            </a:r>
+          </a:p>
+          <a:p>
+            <a:pPr algn="ctr"/>
+            <a:r>
+              <a:rPr lang="ko-KR" altLang="en-US" sz="1200" dirty="0">
+                <a:solidFill>
+                  <a:schemeClr val="tx1"/>
+                </a:solidFill>
+              </a:rPr>
+              <a:t>평균 값 계산</a:t>
             </a:r>
             <a:endParaRPr lang="en-US" altLang="ko-KR" sz="1200" dirty="0">
               <a:solidFill>
@@ -4617,16 +4632,16 @@
         </p:nvSpPr>
         <p:spPr>
           <a:xfrm>
-            <a:off x="9320209" y="4398446"/>
-            <a:ext cx="2078899" cy="710634"/>
+            <a:off x="9013683" y="4327011"/>
+            <a:ext cx="2297344" cy="762161"/>
           </a:xfrm>
           <a:prstGeom prst="roundRect">
             <a:avLst/>
           </a:prstGeom>
           <a:solidFill>
-            <a:schemeClr val="accent5">
-              <a:lumMod val="60000"/>
-              <a:lumOff val="40000"/>
+            <a:schemeClr val="accent1">
+              <a:lumMod val="40000"/>
+              <a:lumOff val="60000"/>
             </a:schemeClr>
           </a:solidFill>
           <a:ln>
@@ -4655,38 +4670,46 @@
           <a:p>
             <a:pPr algn="ctr"/>
             <a:r>
-              <a:rPr lang="en-US" altLang="ko-KR" sz="1200" dirty="0">
-                <a:solidFill>
-                  <a:schemeClr val="tx1"/>
-                </a:solidFill>
-              </a:rPr>
-              <a:t>Reference</a:t>
-            </a:r>
-            <a:r>
-              <a:rPr lang="ko-KR" altLang="en-US" sz="1200" dirty="0">
-                <a:solidFill>
-                  <a:schemeClr val="tx1"/>
-                </a:solidFill>
-              </a:rPr>
-              <a:t>와 </a:t>
-            </a:r>
-            <a:r>
-              <a:rPr lang="en-US" altLang="ko-KR" sz="1200" dirty="0">
-                <a:solidFill>
-                  <a:schemeClr val="tx1"/>
-                </a:solidFill>
-              </a:rPr>
-              <a:t>target</a:t>
-            </a:r>
-            <a:r>
-              <a:rPr lang="ko-KR" altLang="en-US" sz="1200" dirty="0">
+              <a:rPr lang="ko-KR" altLang="en-US" sz="1050" dirty="0">
+                <a:solidFill>
+                  <a:schemeClr val="tx1"/>
+                </a:solidFill>
+              </a:rPr>
+              <a:t>참조 </a:t>
+            </a:r>
+            <a:r>
+              <a:rPr lang="en-US" altLang="ko-KR" sz="1050" dirty="0">
+                <a:solidFill>
+                  <a:schemeClr val="tx1"/>
+                </a:solidFill>
+              </a:rPr>
+              <a:t>ID</a:t>
+            </a:r>
+            <a:r>
+              <a:rPr lang="ko-KR" altLang="en-US" sz="1050" dirty="0">
+                <a:solidFill>
+                  <a:schemeClr val="tx1"/>
+                </a:solidFill>
+              </a:rPr>
+              <a:t>와 타겟 </a:t>
+            </a:r>
+            <a:r>
+              <a:rPr lang="en-US" altLang="ko-KR" sz="1050" dirty="0">
+                <a:solidFill>
+                  <a:schemeClr val="tx1"/>
+                </a:solidFill>
+              </a:rPr>
+              <a:t>ID</a:t>
+            </a:r>
+            <a:r>
+              <a:rPr lang="ko-KR" altLang="en-US" sz="1050" dirty="0">
                 <a:solidFill>
                   <a:schemeClr val="tx1"/>
                 </a:solidFill>
               </a:rPr>
               <a:t>의</a:t>
             </a:r>
-            <a:endParaRPr lang="en-US" altLang="ko-KR" sz="1200" dirty="0">
+            <a:endParaRPr lang="en-US" altLang="ko-KR" sz="1050" dirty="0">
               <a:solidFill>
                 <a:schemeClr val="tx1"/>
               </a:solidFill>
@@ -4695,7 +4718,15 @@
           <a:p>
             <a:pPr algn="ctr"/>
             <a:r>
-              <a:rPr lang="en-US" altLang="ko-KR" sz="1200" dirty="0">
+              <a:rPr lang="ko-KR" altLang="en-US" sz="1050" dirty="0">
+                <a:solidFill>
+                  <a:schemeClr val="tx1"/>
+                </a:solidFill>
+              </a:rPr>
+              <a:t>평균</a:t>
+            </a:r>
+            <a:r>
+              <a:rPr lang="en-US" altLang="ko-KR" sz="1050" dirty="0">
                 <a:solidFill>
                   <a:schemeClr val="tx1"/>
                 </a:solidFill>
@@ -4703,35 +4734,99 @@
               <a:t>RSSI </a:t>
             </a:r>
             <a:r>
-              <a:rPr lang="ko-KR" altLang="en-US" sz="1200" dirty="0">
+              <a:rPr lang="ko-KR" altLang="en-US" sz="1050" dirty="0">
+                <a:solidFill>
+                  <a:schemeClr val="tx1"/>
+                </a:solidFill>
+              </a:rPr>
+              <a:t>값</a:t>
+            </a:r>
+            <a:r>
+              <a:rPr lang="en-US" altLang="ko-KR" sz="1050" dirty="0">
+                <a:solidFill>
+                  <a:schemeClr val="tx1"/>
+                </a:solidFill>
+              </a:rPr>
+              <a:t> </a:t>
+            </a:r>
+            <a:r>
+              <a:rPr lang="ko-KR" altLang="en-US" sz="1050" dirty="0">
                 <a:solidFill>
                   <a:schemeClr val="tx1"/>
                 </a:solidFill>
               </a:rPr>
               <a:t>비교하여 </a:t>
             </a:r>
-            <a:r>
-              <a:rPr lang="en-US" altLang="ko-KR" sz="1200" dirty="0">
-                <a:solidFill>
-                  <a:schemeClr val="tx1"/>
-                </a:solidFill>
-              </a:rPr>
-              <a:t>target</a:t>
-            </a:r>
-            <a:r>
-              <a:rPr lang="ko-KR" altLang="en-US" sz="1200" dirty="0">
-                <a:solidFill>
-                  <a:schemeClr val="tx1"/>
-                </a:solidFill>
-              </a:rPr>
-              <a:t>으로 가까운 순으로 나열</a:t>
-            </a:r>
-            <a:endParaRPr lang="en-US" altLang="ko-KR" sz="1200" dirty="0">
+            <a:endParaRPr lang="en-US" altLang="ko-KR" sz="1050" dirty="0">
               <a:solidFill>
                 <a:schemeClr val="tx1"/>
               </a:solidFill>
             </a:endParaRPr>
           </a:p>
+          <a:p>
+            <a:pPr algn="ctr"/>
+            <a:r>
+              <a:rPr lang="ko-KR" altLang="en-US" sz="1050" dirty="0">
+                <a:solidFill>
+                  <a:schemeClr val="tx1"/>
+                </a:solidFill>
+              </a:rPr>
+              <a:t>타겟</a:t>
+            </a:r>
+            <a:r>
+              <a:rPr lang="en-US" altLang="ko-KR" sz="1050" dirty="0">
+                <a:solidFill>
+                  <a:schemeClr val="tx1"/>
+                </a:solidFill>
+              </a:rPr>
+              <a:t> id</a:t>
+            </a:r>
+            <a:r>
+              <a:rPr lang="ko-KR" altLang="en-US" sz="1050" dirty="0">
+                <a:solidFill>
+                  <a:schemeClr val="tx1"/>
+                </a:solidFill>
+              </a:rPr>
+              <a:t>로 평균 값이 </a:t>
+            </a:r>
+            <a:endParaRPr lang="en-US" altLang="ko-KR" sz="1050" dirty="0">
+              <a:solidFill>
+                <a:schemeClr val="tx1"/>
+              </a:solidFill>
+            </a:endParaRPr>
+          </a:p>
+          <a:p>
+            <a:pPr algn="ctr"/>
+            <a:r>
+              <a:rPr lang="ko-KR" altLang="en-US" sz="1050" dirty="0">
+                <a:solidFill>
+                  <a:schemeClr val="tx1"/>
+                </a:solidFill>
+              </a:rPr>
+              <a:t>가까운 참조</a:t>
+            </a:r>
+            <a:r>
+              <a:rPr lang="en-US" altLang="ko-KR" sz="1050" dirty="0">
+                <a:solidFill>
+                  <a:schemeClr val="tx1"/>
+                </a:solidFill>
+              </a:rPr>
+              <a:t>ID </a:t>
+            </a:r>
+            <a:r>
+              <a:rPr lang="ko-KR" altLang="en-US" sz="1050" dirty="0">
+                <a:solidFill>
+                  <a:schemeClr val="tx1"/>
+                </a:solidFill>
+              </a:rPr>
+              <a:t>순으로 나열</a:t>
+            </a:r>
+            <a:endParaRPr lang="en-US" altLang="ko-KR" sz="1050" dirty="0">
+              <a:solidFill>
+                <a:schemeClr val="tx1"/>
+              </a:solidFill>
+            </a:endParaRPr>
+          </a:p>
         </p:txBody>
       </p:sp>
       <p:sp>
@@ -4748,7 +4843,7 @@
         </p:nvSpPr>
         <p:spPr>
           <a:xfrm>
-            <a:off x="10194364" y="5109080"/>
+            <a:off x="10194363" y="5136142"/>
             <a:ext cx="330588" cy="384225"/>
           </a:xfrm>
           <a:prstGeom prst="downArrow">
@@ -4800,14 +4895,137 @@
         </p:nvSpPr>
         <p:spPr>
           <a:xfrm>
-            <a:off x="9320209" y="5498938"/>
-            <a:ext cx="2078899" cy="892335"/>
+            <a:off x="9204960" y="5566711"/>
+            <a:ext cx="2163667" cy="892335"/>
           </a:xfrm>
           <a:prstGeom prst="roundRect">
             <a:avLst/>
           </a:prstGeom>
           <a:solidFill>
-            <a:schemeClr val="accent5">
+            <a:schemeClr val="accent1">
+              <a:lumMod val="40000"/>
+              <a:lumOff val="60000"/>
+            </a:schemeClr>
+          </a:solidFill>
+          <a:ln>
+            <a:noFill/>
+          </a:ln>
+        </p:spPr>
+        <p:style>
+          <a:lnRef idx="2">
+            <a:schemeClr val="accent1">
+              <a:shade val="50000"/>
+            </a:schemeClr>
+          </a:lnRef>
+          <a:fillRef idx="1">
+            <a:schemeClr val="accent1"/>
+          </a:fillRef>
+          <a:effectRef idx="0">
+            <a:schemeClr val="accent1"/>
+          </a:effectRef>
+          <a:fontRef idx="minor">
+            <a:schemeClr val="lt1"/>
+          </a:fontRef>
+        </p:style>
+        <p:txBody>
+          <a:bodyPr rtlCol="0" anchor="ctr"/>
+          <a:lstStyle/>
+          <a:p>
+            <a:pPr algn="ctr"/>
+            <a:r>
+              <a:rPr lang="ko-KR" altLang="en-US" sz="1200" dirty="0">
+                <a:solidFill>
+                  <a:schemeClr val="tx1"/>
+                </a:solidFill>
+              </a:rPr>
+              <a:t>사용자로부터 참조할 값의 개수</a:t>
+            </a:r>
+            <a:r>
+              <a:rPr lang="en-US" altLang="ko-KR" sz="1200" dirty="0">
+                <a:solidFill>
+                  <a:schemeClr val="tx1"/>
+                </a:solidFill>
+              </a:rPr>
+              <a:t>(n)</a:t>
+            </a:r>
+            <a:r>
+              <a:rPr lang="ko-KR" altLang="en-US" sz="1200" dirty="0">
+                <a:solidFill>
+                  <a:schemeClr val="tx1"/>
+                </a:solidFill>
+              </a:rPr>
+              <a:t>을 입력 받아</a:t>
+            </a:r>
+            <a:endParaRPr lang="en-US" altLang="ko-KR" sz="1200" dirty="0">
+              <a:solidFill>
+                <a:schemeClr val="tx1"/>
+              </a:solidFill>
+            </a:endParaRPr>
+          </a:p>
+          <a:p>
+            <a:pPr algn="ctr"/>
+            <a:r>
+              <a:rPr lang="en-US" altLang="ko-KR" sz="1200" dirty="0">
+                <a:solidFill>
+                  <a:schemeClr val="tx1"/>
+                </a:solidFill>
+              </a:rPr>
+              <a:t>KNN</a:t>
+            </a:r>
+            <a:r>
+              <a:rPr lang="ko-KR" altLang="en-US" sz="1200" dirty="0">
+                <a:solidFill>
+                  <a:schemeClr val="tx1"/>
+                </a:solidFill>
+              </a:rPr>
+              <a:t>알고리즘으로</a:t>
+            </a:r>
+            <a:endParaRPr lang="en-US" altLang="ko-KR" sz="1200" dirty="0">
+              <a:solidFill>
+                <a:schemeClr val="tx1"/>
+              </a:solidFill>
+            </a:endParaRPr>
+          </a:p>
+          <a:p>
+            <a:pPr algn="ctr"/>
+            <a:r>
+              <a:rPr lang="ko-KR" altLang="en-US" sz="1200" dirty="0">
+                <a:solidFill>
+                  <a:schemeClr val="tx1"/>
+                </a:solidFill>
+              </a:rPr>
+              <a:t>예상 좌표 계산</a:t>
+            </a:r>
+            <a:endParaRPr lang="en-US" altLang="ko-KR" sz="1200" dirty="0">
+              <a:solidFill>
+                <a:schemeClr val="tx1"/>
+              </a:solidFill>
+            </a:endParaRPr>
+          </a:p>
+        </p:txBody>
+      </p:sp>
+      <p:sp>
+        <p:nvSpPr>
+          <p:cNvPr id="24" name="사각형: 둥근 모서리 23">
+            <a:extLst>
+              <a:ext uri="{FF2B5EF4-FFF2-40B4-BE49-F238E27FC236}">
+                <a16:creationId xmlns:a16="http://schemas.microsoft.com/office/drawing/2014/main" id="{90BA0F45-A9AB-4951-8D98-D6E535145EAD}"/>
+              </a:ext>
+            </a:extLst>
+          </p:cNvPr>
+          <p:cNvSpPr/>
+          <p:nvPr/>
+        </p:nvSpPr>
+        <p:spPr>
+          <a:xfrm>
+            <a:off x="3241663" y="890492"/>
+            <a:ext cx="2269781" cy="640491"/>
+          </a:xfrm>
+          <a:prstGeom prst="roundRect">
+            <a:avLst/>
+          </a:prstGeom>
+          <a:solidFill>
+            <a:schemeClr val="accent3">
               <a:lumMod val="60000"/>
               <a:lumOff val="40000"/>
             </a:schemeClr>
@@ -4843,23 +5061,7 @@
                   <a:schemeClr val="tx1"/>
                 </a:solidFill>
               </a:rPr>
-              <a:t>사용자로부터 참조할 값의 개수</a:t>
-            </a:r>
-            <a:r>
-              <a:rPr lang="en-US" altLang="ko-KR" sz="1200" dirty="0">
-                <a:solidFill>
-                  <a:schemeClr val="tx1"/>
-                </a:solidFill>
-              </a:rPr>
-              <a:t>(n)</a:t>
-            </a:r>
-            <a:r>
-              <a:rPr lang="ko-KR" altLang="en-US" sz="1200" dirty="0">
-                <a:solidFill>
-                  <a:schemeClr val="tx1"/>
-                </a:solidFill>
-              </a:rPr>
-              <a:t>을 입력 받아</a:t>
+              <a:t>참조 데이터들에게서 </a:t>
             </a:r>
             <a:endParaRPr lang="en-US" altLang="ko-KR" sz="1200" dirty="0">
               <a:solidFill>
@@ -4870,12 +5072,20 @@
           <a:p>
             <a:pPr algn="ctr"/>
             <a:r>
+              <a:rPr lang="ko-KR" altLang="en-US" sz="1200" dirty="0">
+                <a:solidFill>
+                  <a:schemeClr val="tx1"/>
+                </a:solidFill>
+              </a:rPr>
+              <a:t>각 </a:t>
+            </a:r>
+            <a:r>
               <a:rPr lang="en-US" altLang="ko-KR" sz="1200" dirty="0">
                 <a:solidFill>
                   <a:schemeClr val="tx1"/>
                 </a:solidFill>
               </a:rPr>
-              <a:t>KNN</a:t>
+              <a:t>ID </a:t>
             </a:r>
             <a:r>
               <a:rPr lang="ko-KR" altLang="en-US" sz="1200" dirty="0">
@@ -4883,7 +5093,7 @@
                   <a:schemeClr val="tx1"/>
                 </a:solidFill>
               </a:rPr>
-              <a:t>알고리즘으로</a:t>
+              <a:t>매개 변수로</a:t>
             </a:r>
             <a:endParaRPr lang="en-US" altLang="ko-KR" sz="1200" dirty="0">
               <a:solidFill>
@@ -4899,114 +5109,7 @@
                   <a:schemeClr val="tx1"/>
                 </a:solidFill>
               </a:rPr>
-              <a:t>예상 좌표 계산</a:t>
-            </a:r>
-            <a:endParaRPr lang="en-US" altLang="ko-KR" sz="1200" dirty="0">
-              <a:solidFill>
-                <a:schemeClr val="tx1"/>
-              </a:solidFill>
-            </a:endParaRPr>
-          </a:p>
-        </p:txBody>
-      </p:sp>
-      <p:sp>
-        <p:nvSpPr>
-          <p:cNvPr id="24" name="사각형: 둥근 모서리 23">
-            <a:extLst>
-              <a:ext uri="{FF2B5EF4-FFF2-40B4-BE49-F238E27FC236}">
-                <a16:creationId xmlns:a16="http://schemas.microsoft.com/office/drawing/2014/main" id="{90BA0F45-A9AB-4951-8D98-D6E535145EAD}"/>
-              </a:ext>
-            </a:extLst>
-          </p:cNvPr>
-          <p:cNvSpPr/>
-          <p:nvPr/>
-        </p:nvSpPr>
-        <p:spPr>
-          <a:xfrm>
-            <a:off x="3241663" y="890492"/>
-            <a:ext cx="2269781" cy="640491"/>
-          </a:xfrm>
-          <a:prstGeom prst="roundRect">
-            <a:avLst/>
-          </a:prstGeom>
-          <a:solidFill>
-            <a:schemeClr val="accent5">
-              <a:lumMod val="60000"/>
-              <a:lumOff val="40000"/>
-            </a:schemeClr>
-          </a:solidFill>
-          <a:ln>
-            <a:noFill/>
-          </a:ln>
-        </p:spPr>
-        <p:style>
-          <a:lnRef idx="2">
-            <a:schemeClr val="accent1">
-              <a:shade val="50000"/>
-            </a:schemeClr>
-          </a:lnRef>
-          <a:fillRef idx="1">
-            <a:schemeClr val="accent1"/>
-          </a:fillRef>
-          <a:effectRef idx="0">
-            <a:schemeClr val="accent1"/>
-          </a:effectRef>
-          <a:fontRef idx="minor">
-            <a:schemeClr val="lt1"/>
-          </a:fontRef>
-        </p:style>
-        <p:txBody>
-          <a:bodyPr rtlCol="0" anchor="ctr"/>
-          <a:lstStyle/>
-          <a:p>
-            <a:pPr algn="ctr"/>
-            <a:r>
-              <a:rPr lang="en-US" altLang="ko-KR" sz="1200" dirty="0">
-                <a:solidFill>
-                  <a:schemeClr val="tx1"/>
-                </a:solidFill>
-              </a:rPr>
-              <a:t>tag_ID_position.txt</a:t>
-            </a:r>
-            <a:r>
-              <a:rPr lang="ko-KR" altLang="en-US" sz="1200" dirty="0">
-                <a:solidFill>
-                  <a:schemeClr val="tx1"/>
-                </a:solidFill>
-              </a:rPr>
-              <a:t>에 </a:t>
-            </a:r>
-            <a:endParaRPr lang="en-US" altLang="ko-KR" sz="1200" dirty="0">
-              <a:solidFill>
-                <a:schemeClr val="tx1"/>
-              </a:solidFill>
-            </a:endParaRPr>
-          </a:p>
-          <a:p>
-            <a:pPr algn="ctr"/>
-            <a:r>
-              <a:rPr lang="en-US" altLang="ko-KR" sz="1200" dirty="0" err="1">
-                <a:solidFill>
-                  <a:schemeClr val="tx1"/>
-                </a:solidFill>
-              </a:rPr>
-              <a:t>referenceIDs</a:t>
-            </a:r>
-            <a:r>
-              <a:rPr lang="en-US" altLang="ko-KR" sz="1200" dirty="0">
-                <a:solidFill>
-                  <a:schemeClr val="tx1"/>
-                </a:solidFill>
-              </a:rPr>
-              <a:t> </a:t>
-            </a:r>
-            <a:r>
-              <a:rPr lang="ko-KR" altLang="en-US" sz="1200" dirty="0">
-                <a:solidFill>
-                  <a:schemeClr val="tx1"/>
-                </a:solidFill>
-              </a:rPr>
-              <a:t>값 가져오기</a:t>
+              <a:t>하나씩 가져오기</a:t>
             </a:r>
           </a:p>
         </p:txBody>
@@ -5084,7 +5187,7 @@
             <a:avLst/>
           </a:prstGeom>
           <a:solidFill>
-            <a:schemeClr val="accent5">
+            <a:schemeClr val="accent3">
               <a:lumMod val="60000"/>
               <a:lumOff val="40000"/>
             </a:schemeClr>
@@ -5115,12 +5218,20 @@
           <a:p>
             <a:pPr algn="ctr"/>
             <a:r>
+              <a:rPr lang="ko-KR" altLang="en-US" sz="1200" dirty="0">
+                <a:solidFill>
+                  <a:schemeClr val="tx1"/>
+                </a:solidFill>
+              </a:rPr>
+              <a:t>매개 변수로 받아온 </a:t>
+            </a:r>
+            <a:r>
               <a:rPr lang="en-US" altLang="ko-KR" sz="1200" dirty="0">
                 <a:solidFill>
                   <a:schemeClr val="tx1"/>
                 </a:solidFill>
               </a:rPr>
-              <a:t>RFID.Data.txt</a:t>
+              <a:t>ID</a:t>
             </a:r>
             <a:r>
               <a:rPr lang="ko-KR" altLang="en-US" sz="1200" dirty="0">
@@ -5128,7 +5239,7 @@
                   <a:schemeClr val="tx1"/>
                 </a:solidFill>
               </a:rPr>
-              <a:t>에서 가져온 값과</a:t>
+              <a:t>를</a:t>
             </a:r>
             <a:endParaRPr lang="en-US" altLang="ko-KR" sz="1200" dirty="0">
               <a:solidFill>
@@ -5139,12 +5250,20 @@
           <a:p>
             <a:pPr algn="ctr"/>
             <a:r>
+              <a:rPr lang="en-US" altLang="ko-KR" sz="1200" dirty="0">
+                <a:solidFill>
+                  <a:schemeClr val="tx1"/>
+                </a:solidFill>
+              </a:rPr>
+              <a:t>RFID.txt</a:t>
+            </a:r>
+            <a:r>
               <a:rPr lang="ko-KR" altLang="en-US" sz="1200" dirty="0">
                 <a:solidFill>
                   <a:schemeClr val="tx1"/>
                 </a:solidFill>
               </a:rPr>
-              <a:t>동일한 </a:t>
+              <a:t>와 동일한 </a:t>
             </a:r>
             <a:r>
               <a:rPr lang="en-US" altLang="ko-KR" sz="1200" dirty="0">
@@ -5152,7 +5271,7 @@
                   <a:schemeClr val="tx1"/>
                 </a:solidFill>
               </a:rPr>
-              <a:t>ID </a:t>
+              <a:t>ID</a:t>
             </a:r>
             <a:r>
               <a:rPr lang="ko-KR" altLang="en-US" sz="1200" dirty="0">
@@ -5160,8 +5279,29 @@
                   <a:schemeClr val="tx1"/>
                 </a:solidFill>
               </a:rPr>
-              <a:t>찾기</a:t>
-            </a:r>
+              <a:t>를 찾아</a:t>
+            </a:r>
+            <a:endParaRPr lang="en-US" altLang="ko-KR" sz="1200" dirty="0">
+              <a:solidFill>
+                <a:schemeClr val="tx1"/>
+              </a:solidFill>
+            </a:endParaRPr>
+          </a:p>
+          <a:p>
+            <a:pPr algn="ctr"/>
+            <a:r>
+              <a:rPr lang="ko-KR" altLang="en-US" sz="1200" dirty="0">
+                <a:solidFill>
+                  <a:schemeClr val="tx1"/>
+                </a:solidFill>
+              </a:rPr>
+              <a:t>문자열을 가져옴</a:t>
+            </a:r>
+            <a:endParaRPr lang="en-US" altLang="ko-KR" sz="1200" dirty="0">
+              <a:solidFill>
+                <a:schemeClr val="tx1"/>
+              </a:solidFill>
+            </a:endParaRPr>
           </a:p>
         </p:txBody>
       </p:sp>
@@ -5238,7 +5378,7 @@
             <a:avLst/>
           </a:prstGeom>
           <a:solidFill>
-            <a:schemeClr val="accent5">
+            <a:schemeClr val="accent3">
               <a:lumMod val="60000"/>
               <a:lumOff val="40000"/>
             </a:schemeClr>
@@ -5330,7 +5470,7 @@
         </p:nvSpPr>
         <p:spPr>
           <a:xfrm>
-            <a:off x="4191151" y="3804429"/>
+            <a:off x="4186541" y="3907330"/>
             <a:ext cx="330588" cy="384225"/>
           </a:xfrm>
           <a:prstGeom prst="downArrow">
@@ -5394,14 +5534,14 @@
         </p:nvSpPr>
         <p:spPr>
           <a:xfrm>
-            <a:off x="3280495" y="4398446"/>
-            <a:ext cx="2084312" cy="710634"/>
+            <a:off x="3214099" y="4398446"/>
+            <a:ext cx="2297345" cy="710634"/>
           </a:xfrm>
           <a:prstGeom prst="roundRect">
             <a:avLst/>
           </a:prstGeom>
           <a:solidFill>
-            <a:schemeClr val="accent5">
+            <a:schemeClr val="accent3">
               <a:lumMod val="60000"/>
               <a:lumOff val="40000"/>
             </a:schemeClr>
@@ -5432,12 +5572,12 @@
           <a:p>
             <a:pPr algn="ctr"/>
             <a:r>
-              <a:rPr lang="en-US" altLang="ko-KR" sz="1200" dirty="0" err="1">
-                <a:solidFill>
-                  <a:schemeClr val="tx1"/>
-                </a:solidFill>
-              </a:rPr>
-              <a:t>referenceIDs</a:t>
+              <a:rPr lang="ko-KR" altLang="en-US" sz="1200" dirty="0">
+                <a:solidFill>
+                  <a:schemeClr val="tx1"/>
+                </a:solidFill>
+              </a:rPr>
+              <a:t>참조 데이터에 해당하는 </a:t>
             </a:r>
             <a:r>
               <a:rPr lang="en-US" altLang="ko-KR" sz="1200" dirty="0">
@@ -5445,7 +5585,7 @@
                   <a:schemeClr val="tx1"/>
                 </a:solidFill>
               </a:rPr>
-              <a:t> </a:t>
+              <a:t>ID</a:t>
             </a:r>
             <a:r>
               <a:rPr lang="ko-KR" altLang="en-US" sz="1200" dirty="0">
@@ -5453,7 +5593,7 @@
                   <a:schemeClr val="tx1"/>
                 </a:solidFill>
               </a:rPr>
-              <a:t>에 해당하는</a:t>
+              <a:t>의</a:t>
             </a:r>
             <a:endParaRPr lang="en-US" altLang="ko-KR" sz="1200" dirty="0">
               <a:solidFill>
@@ -5464,12 +5604,39 @@
           <a:p>
             <a:pPr algn="ctr"/>
             <a:r>
+              <a:rPr lang="en-US" altLang="ko-KR" sz="1200" dirty="0">
+                <a:solidFill>
+                  <a:schemeClr val="tx1"/>
+                </a:solidFill>
+              </a:rPr>
+              <a:t>&lt;RSSI,</a:t>
+            </a:r>
+            <a:r>
               <a:rPr lang="ko-KR" altLang="en-US" sz="1200" dirty="0">
                 <a:solidFill>
                   <a:schemeClr val="tx1"/>
                 </a:solidFill>
               </a:rPr>
-              <a:t>값 평균 데이터 계산</a:t>
+              <a:t> 인터벌</a:t>
+            </a:r>
+            <a:r>
+              <a:rPr lang="en-US" altLang="ko-KR" sz="1200" dirty="0">
+                <a:solidFill>
+                  <a:schemeClr val="tx1"/>
+                </a:solidFill>
+              </a:rPr>
+              <a:t>&gt;</a:t>
+            </a:r>
+          </a:p>
+          <a:p>
+            <a:pPr algn="ctr"/>
+            <a:r>
+              <a:rPr lang="ko-KR" altLang="en-US" sz="1200" dirty="0">
+                <a:solidFill>
+                  <a:schemeClr val="tx1"/>
+                </a:solidFill>
+              </a:rPr>
+              <a:t>평균 값 계산</a:t>
             </a:r>
             <a:endParaRPr lang="en-US" altLang="ko-KR" sz="1200" dirty="0">
               <a:solidFill>
@@ -5483,6 +5650,750 @@
     <p:extLst>
       <p:ext uri="{BB962C8B-B14F-4D97-AF65-F5344CB8AC3E}">
         <p14:creationId xmlns:p14="http://schemas.microsoft.com/office/powerpoint/2010/main" val="3088632831"/>
+      </p:ext>
+    </p:extLst>
+  </p:cSld>
+  <p:clrMapOvr>
+    <a:masterClrMapping/>
+  </p:clrMapOvr>
+</p:sld>
+</file>
+
+<file path=ppt/slides/slide2.xml><?xml version="1.0" encoding="utf-8"?>
+<p:sld xmlns:a="http://schemas.openxmlformats.org/drawingml/2006/main" xmlns:r="http://schemas.openxmlformats.org/officeDocument/2006/relationships" xmlns:p="http://schemas.openxmlformats.org/presentationml/2006/main">
+  <p:cSld>
+    <p:spTree>
+      <p:nvGrpSpPr>
+        <p:cNvPr id="1" name=""/>
+        <p:cNvGrpSpPr/>
+        <p:nvPr/>
+      </p:nvGrpSpPr>
+      <p:grpSpPr>
+        <a:xfrm>
+          <a:off x="0" y="0"/>
+          <a:ext cx="0" cy="0"/>
+          <a:chOff x="0" y="0"/>
+          <a:chExt cx="0" cy="0"/>
+        </a:xfrm>
+      </p:grpSpPr>
+      <p:sp>
+        <p:nvSpPr>
+          <p:cNvPr id="4" name="직사각형 3">
+            <a:extLst>
+              <a:ext uri="{FF2B5EF4-FFF2-40B4-BE49-F238E27FC236}">
+                <a16:creationId xmlns:a16="http://schemas.microsoft.com/office/drawing/2014/main" id="{E12C1A5F-0FD4-4607-9F4C-6DCB78001F64}"/>
+              </a:ext>
+            </a:extLst>
+          </p:cNvPr>
+          <p:cNvSpPr/>
+          <p:nvPr/>
+        </p:nvSpPr>
+        <p:spPr>
+          <a:xfrm>
+            <a:off x="4366260" y="466726"/>
+            <a:ext cx="5935980" cy="6134098"/>
+          </a:xfrm>
+          <a:prstGeom prst="rect">
+            <a:avLst/>
+          </a:prstGeom>
+          <a:noFill/>
+          <a:ln w="50800">
+            <a:solidFill>
+              <a:schemeClr val="tx2"/>
+            </a:solidFill>
+          </a:ln>
+        </p:spPr>
+        <p:style>
+          <a:lnRef idx="2">
+            <a:schemeClr val="accent1">
+              <a:shade val="50000"/>
+            </a:schemeClr>
+          </a:lnRef>
+          <a:fillRef idx="1">
+            <a:schemeClr val="accent1"/>
+          </a:fillRef>
+          <a:effectRef idx="0">
+            <a:schemeClr val="accent1"/>
+          </a:effectRef>
+          <a:fontRef idx="minor">
+            <a:schemeClr val="lt1"/>
+          </a:fontRef>
+        </p:style>
+        <p:txBody>
+          <a:bodyPr rtlCol="0" anchor="ctr"/>
+          <a:lstStyle/>
+          <a:p>
+            <a:pPr algn="ctr"/>
+            <a:endParaRPr lang="ko-KR" altLang="en-US" dirty="0"/>
+          </a:p>
+        </p:txBody>
+      </p:sp>
+      <p:sp>
+        <p:nvSpPr>
+          <p:cNvPr id="5" name="사각형: 둥근 모서리 4">
+            <a:extLst>
+              <a:ext uri="{FF2B5EF4-FFF2-40B4-BE49-F238E27FC236}">
+                <a16:creationId xmlns:a16="http://schemas.microsoft.com/office/drawing/2014/main" id="{B4EB54E0-B129-456D-B914-A51A48C448BC}"/>
+              </a:ext>
+            </a:extLst>
+          </p:cNvPr>
+          <p:cNvSpPr/>
+          <p:nvPr/>
+        </p:nvSpPr>
+        <p:spPr>
+          <a:xfrm>
+            <a:off x="5443535" y="190498"/>
+            <a:ext cx="3876675" cy="523875"/>
+          </a:xfrm>
+          <a:prstGeom prst="roundRect">
+            <a:avLst/>
+          </a:prstGeom>
+          <a:solidFill>
+            <a:schemeClr val="accent6">
+              <a:lumMod val="60000"/>
+              <a:lumOff val="40000"/>
+            </a:schemeClr>
+          </a:solidFill>
+          <a:ln>
+            <a:solidFill>
+              <a:schemeClr val="tx1"/>
+            </a:solidFill>
+          </a:ln>
+        </p:spPr>
+        <p:style>
+          <a:lnRef idx="2">
+            <a:schemeClr val="accent1">
+              <a:shade val="50000"/>
+            </a:schemeClr>
+          </a:lnRef>
+          <a:fillRef idx="1">
+            <a:schemeClr val="accent1"/>
+          </a:fillRef>
+          <a:effectRef idx="0">
+            <a:schemeClr val="accent1"/>
+          </a:effectRef>
+          <a:fontRef idx="minor">
+            <a:schemeClr val="lt1"/>
+          </a:fontRef>
+        </p:style>
+        <p:txBody>
+          <a:bodyPr rtlCol="0" anchor="ctr"/>
+          <a:lstStyle/>
+          <a:p>
+            <a:pPr algn="ctr"/>
+            <a:r>
+              <a:rPr lang="en-US" altLang="ko-KR" dirty="0"/>
+              <a:t>RFID </a:t>
+            </a:r>
+            <a:r>
+              <a:rPr lang="ko-KR" altLang="en-US" dirty="0"/>
+              <a:t>데이터 분석 프로그램</a:t>
+            </a:r>
+          </a:p>
+        </p:txBody>
+      </p:sp>
+      <p:pic>
+        <p:nvPicPr>
+          <p:cNvPr id="7" name="그림 6">
+            <a:extLst>
+              <a:ext uri="{FF2B5EF4-FFF2-40B4-BE49-F238E27FC236}">
+                <a16:creationId xmlns:a16="http://schemas.microsoft.com/office/drawing/2014/main" id="{5C33CBA4-A4F0-43C5-913F-9F46BC7EA346}"/>
+              </a:ext>
+            </a:extLst>
+          </p:cNvPr>
+          <p:cNvPicPr>
+            <a:picLocks noChangeAspect="1"/>
+          </p:cNvPicPr>
+          <p:nvPr/>
+        </p:nvPicPr>
+        <p:blipFill>
+          <a:blip r:embed="rId2"/>
+          <a:stretch>
+            <a:fillRect/>
+          </a:stretch>
+        </p:blipFill>
+        <p:spPr>
+          <a:xfrm>
+            <a:off x="1666220" y="2431339"/>
+            <a:ext cx="1390802" cy="1390802"/>
+          </a:xfrm>
+          <a:prstGeom prst="rect">
+            <a:avLst/>
+          </a:prstGeom>
+        </p:spPr>
+      </p:pic>
+      <p:sp>
+        <p:nvSpPr>
+          <p:cNvPr id="8" name="화살표: 오른쪽 7">
+            <a:extLst>
+              <a:ext uri="{FF2B5EF4-FFF2-40B4-BE49-F238E27FC236}">
+                <a16:creationId xmlns:a16="http://schemas.microsoft.com/office/drawing/2014/main" id="{35AD710C-0950-4677-ADE2-C065E079C562}"/>
+              </a:ext>
+            </a:extLst>
+          </p:cNvPr>
+          <p:cNvSpPr/>
+          <p:nvPr/>
+        </p:nvSpPr>
+        <p:spPr>
+          <a:xfrm>
+            <a:off x="3057022" y="1771655"/>
+            <a:ext cx="1190481" cy="838200"/>
+          </a:xfrm>
+          <a:prstGeom prst="rightArrow">
+            <a:avLst/>
+          </a:prstGeom>
+          <a:solidFill>
+            <a:schemeClr val="accent1">
+              <a:lumMod val="40000"/>
+              <a:lumOff val="60000"/>
+            </a:schemeClr>
+          </a:solidFill>
+          <a:ln>
+            <a:noFill/>
+          </a:ln>
+        </p:spPr>
+        <p:style>
+          <a:lnRef idx="2">
+            <a:schemeClr val="accent1">
+              <a:shade val="50000"/>
+            </a:schemeClr>
+          </a:lnRef>
+          <a:fillRef idx="1">
+            <a:schemeClr val="accent1"/>
+          </a:fillRef>
+          <a:effectRef idx="0">
+            <a:schemeClr val="accent1"/>
+          </a:effectRef>
+          <a:fontRef idx="minor">
+            <a:schemeClr val="lt1"/>
+          </a:fontRef>
+        </p:style>
+        <p:txBody>
+          <a:bodyPr rtlCol="0" anchor="ctr"/>
+          <a:lstStyle/>
+          <a:p>
+            <a:pPr algn="ctr"/>
+            <a:r>
+              <a:rPr lang="ko-KR" altLang="en-US" sz="1200" dirty="0">
+                <a:solidFill>
+                  <a:schemeClr val="tx1"/>
+                </a:solidFill>
+              </a:rPr>
+              <a:t>인터페이스</a:t>
+            </a:r>
+            <a:endParaRPr lang="en-US" altLang="ko-KR" sz="1200" dirty="0">
+              <a:solidFill>
+                <a:schemeClr val="tx1"/>
+              </a:solidFill>
+            </a:endParaRPr>
+          </a:p>
+          <a:p>
+            <a:pPr algn="ctr"/>
+            <a:r>
+              <a:rPr lang="ko-KR" altLang="en-US" sz="1200" dirty="0">
+                <a:solidFill>
+                  <a:schemeClr val="tx1"/>
+                </a:solidFill>
+              </a:rPr>
+              <a:t>입력</a:t>
+            </a:r>
+          </a:p>
+        </p:txBody>
+      </p:sp>
+      <p:sp>
+        <p:nvSpPr>
+          <p:cNvPr id="10" name="화살표: 왼쪽 9">
+            <a:extLst>
+              <a:ext uri="{FF2B5EF4-FFF2-40B4-BE49-F238E27FC236}">
+                <a16:creationId xmlns:a16="http://schemas.microsoft.com/office/drawing/2014/main" id="{E02E2C5F-1E5F-4224-941A-63E40A276FF2}"/>
+              </a:ext>
+            </a:extLst>
+          </p:cNvPr>
+          <p:cNvSpPr/>
+          <p:nvPr/>
+        </p:nvSpPr>
+        <p:spPr>
+          <a:xfrm>
+            <a:off x="3057022" y="3364941"/>
+            <a:ext cx="1190481" cy="838200"/>
+          </a:xfrm>
+          <a:prstGeom prst="leftArrow">
+            <a:avLst/>
+          </a:prstGeom>
+          <a:solidFill>
+            <a:schemeClr val="accent2">
+              <a:lumMod val="40000"/>
+              <a:lumOff val="60000"/>
+            </a:schemeClr>
+          </a:solidFill>
+          <a:ln>
+            <a:noFill/>
+          </a:ln>
+        </p:spPr>
+        <p:style>
+          <a:lnRef idx="2">
+            <a:schemeClr val="accent1">
+              <a:shade val="50000"/>
+            </a:schemeClr>
+          </a:lnRef>
+          <a:fillRef idx="1">
+            <a:schemeClr val="accent1"/>
+          </a:fillRef>
+          <a:effectRef idx="0">
+            <a:schemeClr val="accent1"/>
+          </a:effectRef>
+          <a:fontRef idx="minor">
+            <a:schemeClr val="lt1"/>
+          </a:fontRef>
+        </p:style>
+        <p:txBody>
+          <a:bodyPr rtlCol="0" anchor="ctr"/>
+          <a:lstStyle/>
+          <a:p>
+            <a:pPr algn="ctr"/>
+            <a:r>
+              <a:rPr lang="ko-KR" altLang="en-US" sz="1400" dirty="0">
+                <a:solidFill>
+                  <a:schemeClr val="tx1"/>
+                </a:solidFill>
+              </a:rPr>
+              <a:t>결과 출력</a:t>
+            </a:r>
+          </a:p>
+        </p:txBody>
+      </p:sp>
+      <p:sp>
+        <p:nvSpPr>
+          <p:cNvPr id="35" name="사각형: 둥근 모서리 34">
+            <a:extLst>
+              <a:ext uri="{FF2B5EF4-FFF2-40B4-BE49-F238E27FC236}">
+                <a16:creationId xmlns:a16="http://schemas.microsoft.com/office/drawing/2014/main" id="{B9658C61-17C4-4ACA-972C-2812EFA28105}"/>
+              </a:ext>
+            </a:extLst>
+          </p:cNvPr>
+          <p:cNvSpPr/>
+          <p:nvPr/>
+        </p:nvSpPr>
+        <p:spPr>
+          <a:xfrm>
+            <a:off x="5504803" y="1222604"/>
+            <a:ext cx="3540137" cy="881075"/>
+          </a:xfrm>
+          <a:prstGeom prst="roundRect">
+            <a:avLst/>
+          </a:prstGeom>
+          <a:solidFill>
+            <a:schemeClr val="accent3">
+              <a:lumMod val="60000"/>
+              <a:lumOff val="40000"/>
+            </a:schemeClr>
+          </a:solidFill>
+          <a:ln>
+            <a:noFill/>
+          </a:ln>
+        </p:spPr>
+        <p:style>
+          <a:lnRef idx="2">
+            <a:schemeClr val="accent1">
+              <a:shade val="50000"/>
+            </a:schemeClr>
+          </a:lnRef>
+          <a:fillRef idx="1">
+            <a:schemeClr val="accent1"/>
+          </a:fillRef>
+          <a:effectRef idx="0">
+            <a:schemeClr val="accent1"/>
+          </a:effectRef>
+          <a:fontRef idx="minor">
+            <a:schemeClr val="lt1"/>
+          </a:fontRef>
+        </p:style>
+        <p:txBody>
+          <a:bodyPr rtlCol="0" anchor="ctr"/>
+          <a:lstStyle/>
+          <a:p>
+            <a:pPr algn="ctr"/>
+            <a:r>
+              <a:rPr lang="en-US" altLang="ko-KR" sz="1200" dirty="0">
+                <a:solidFill>
+                  <a:schemeClr val="tx1"/>
+                </a:solidFill>
+              </a:rPr>
+              <a:t>&lt;1&gt;</a:t>
+            </a:r>
+          </a:p>
+          <a:p>
+            <a:pPr algn="ctr"/>
+            <a:r>
+              <a:rPr lang="en-US" altLang="ko-KR" sz="1200" dirty="0">
+                <a:solidFill>
+                  <a:schemeClr val="tx1"/>
+                </a:solidFill>
+              </a:rPr>
+              <a:t>Reference Tag Analysis</a:t>
+            </a:r>
+          </a:p>
+          <a:p>
+            <a:pPr algn="ctr"/>
+            <a:r>
+              <a:rPr lang="en-US" altLang="ko-KR" sz="1200" dirty="0">
+                <a:solidFill>
+                  <a:schemeClr val="tx1"/>
+                </a:solidFill>
+              </a:rPr>
+              <a:t>(</a:t>
+            </a:r>
+            <a:r>
+              <a:rPr lang="ko-KR" altLang="en-US" sz="1200" dirty="0">
+                <a:solidFill>
+                  <a:schemeClr val="tx1"/>
+                </a:solidFill>
+              </a:rPr>
+              <a:t>참조태그들의 정보 분석 값 출력</a:t>
+            </a:r>
+            <a:r>
+              <a:rPr lang="en-US" altLang="ko-KR" sz="1200" dirty="0">
+                <a:solidFill>
+                  <a:schemeClr val="tx1"/>
+                </a:solidFill>
+              </a:rPr>
+              <a:t>)</a:t>
+            </a:r>
+            <a:endParaRPr lang="ko-KR" altLang="en-US" sz="1200" dirty="0">
+              <a:solidFill>
+                <a:schemeClr val="tx1"/>
+              </a:solidFill>
+            </a:endParaRPr>
+          </a:p>
+        </p:txBody>
+      </p:sp>
+      <p:sp>
+        <p:nvSpPr>
+          <p:cNvPr id="36" name="사각형: 둥근 모서리 35">
+            <a:extLst>
+              <a:ext uri="{FF2B5EF4-FFF2-40B4-BE49-F238E27FC236}">
+                <a16:creationId xmlns:a16="http://schemas.microsoft.com/office/drawing/2014/main" id="{F401993D-FED6-466F-A404-8D698EAA8ACE}"/>
+              </a:ext>
+            </a:extLst>
+          </p:cNvPr>
+          <p:cNvSpPr/>
+          <p:nvPr/>
+        </p:nvSpPr>
+        <p:spPr>
+          <a:xfrm>
+            <a:off x="5504803" y="2609855"/>
+            <a:ext cx="3540137" cy="881075"/>
+          </a:xfrm>
+          <a:prstGeom prst="roundRect">
+            <a:avLst/>
+          </a:prstGeom>
+          <a:solidFill>
+            <a:schemeClr val="accent3">
+              <a:lumMod val="60000"/>
+              <a:lumOff val="40000"/>
+            </a:schemeClr>
+          </a:solidFill>
+          <a:ln>
+            <a:noFill/>
+          </a:ln>
+        </p:spPr>
+        <p:style>
+          <a:lnRef idx="2">
+            <a:schemeClr val="accent1">
+              <a:shade val="50000"/>
+            </a:schemeClr>
+          </a:lnRef>
+          <a:fillRef idx="1">
+            <a:schemeClr val="accent1"/>
+          </a:fillRef>
+          <a:effectRef idx="0">
+            <a:schemeClr val="accent1"/>
+          </a:effectRef>
+          <a:fontRef idx="minor">
+            <a:schemeClr val="lt1"/>
+          </a:fontRef>
+        </p:style>
+        <p:txBody>
+          <a:bodyPr rtlCol="0" anchor="ctr"/>
+          <a:lstStyle/>
+          <a:p>
+            <a:pPr algn="ctr"/>
+            <a:r>
+              <a:rPr lang="en-US" altLang="ko-KR" sz="1200" dirty="0">
+                <a:solidFill>
+                  <a:schemeClr val="tx1"/>
+                </a:solidFill>
+              </a:rPr>
+              <a:t>&lt;2&gt;</a:t>
+            </a:r>
+          </a:p>
+          <a:p>
+            <a:pPr algn="ctr"/>
+            <a:r>
+              <a:rPr lang="en-US" altLang="ko-KR" sz="1200" dirty="0">
+                <a:solidFill>
+                  <a:schemeClr val="tx1"/>
+                </a:solidFill>
+              </a:rPr>
+              <a:t>Target Tag Analysis</a:t>
+            </a:r>
+          </a:p>
+          <a:p>
+            <a:pPr algn="ctr"/>
+            <a:r>
+              <a:rPr lang="en-US" altLang="ko-KR" sz="1200" dirty="0">
+                <a:solidFill>
+                  <a:schemeClr val="tx1"/>
+                </a:solidFill>
+              </a:rPr>
+              <a:t>(</a:t>
+            </a:r>
+            <a:r>
+              <a:rPr lang="ko-KR" altLang="en-US" sz="1200" dirty="0" err="1">
+                <a:solidFill>
+                  <a:schemeClr val="tx1"/>
+                </a:solidFill>
+              </a:rPr>
+              <a:t>타겟태그의</a:t>
+            </a:r>
+            <a:r>
+              <a:rPr lang="ko-KR" altLang="en-US" sz="1200" dirty="0">
+                <a:solidFill>
+                  <a:schemeClr val="tx1"/>
+                </a:solidFill>
+              </a:rPr>
+              <a:t> 정보 분석 값 출력</a:t>
+            </a:r>
+            <a:r>
+              <a:rPr lang="en-US" altLang="ko-KR" sz="1200" dirty="0">
+                <a:solidFill>
+                  <a:schemeClr val="tx1"/>
+                </a:solidFill>
+              </a:rPr>
+              <a:t>)</a:t>
+            </a:r>
+            <a:endParaRPr lang="ko-KR" altLang="en-US" sz="1200" dirty="0">
+              <a:solidFill>
+                <a:schemeClr val="tx1"/>
+              </a:solidFill>
+            </a:endParaRPr>
+          </a:p>
+        </p:txBody>
+      </p:sp>
+      <p:sp>
+        <p:nvSpPr>
+          <p:cNvPr id="37" name="사각형: 둥근 모서리 36">
+            <a:extLst>
+              <a:ext uri="{FF2B5EF4-FFF2-40B4-BE49-F238E27FC236}">
+                <a16:creationId xmlns:a16="http://schemas.microsoft.com/office/drawing/2014/main" id="{2BF51CE3-CA3E-4C52-87DD-C1DB162DC31F}"/>
+              </a:ext>
+            </a:extLst>
+          </p:cNvPr>
+          <p:cNvSpPr/>
+          <p:nvPr/>
+        </p:nvSpPr>
+        <p:spPr>
+          <a:xfrm>
+            <a:off x="5504803" y="3997106"/>
+            <a:ext cx="3540137" cy="881075"/>
+          </a:xfrm>
+          <a:prstGeom prst="roundRect">
+            <a:avLst/>
+          </a:prstGeom>
+          <a:solidFill>
+            <a:schemeClr val="accent3">
+              <a:lumMod val="60000"/>
+              <a:lumOff val="40000"/>
+            </a:schemeClr>
+          </a:solidFill>
+          <a:ln>
+            <a:noFill/>
+          </a:ln>
+        </p:spPr>
+        <p:style>
+          <a:lnRef idx="2">
+            <a:schemeClr val="accent1">
+              <a:shade val="50000"/>
+            </a:schemeClr>
+          </a:lnRef>
+          <a:fillRef idx="1">
+            <a:schemeClr val="accent1"/>
+          </a:fillRef>
+          <a:effectRef idx="0">
+            <a:schemeClr val="accent1"/>
+          </a:effectRef>
+          <a:fontRef idx="minor">
+            <a:schemeClr val="lt1"/>
+          </a:fontRef>
+        </p:style>
+        <p:txBody>
+          <a:bodyPr rtlCol="0" anchor="ctr"/>
+          <a:lstStyle/>
+          <a:p>
+            <a:pPr algn="ctr"/>
+            <a:r>
+              <a:rPr lang="en-US" altLang="ko-KR" sz="1200" dirty="0">
+                <a:solidFill>
+                  <a:schemeClr val="tx1"/>
+                </a:solidFill>
+              </a:rPr>
+              <a:t>&lt;3&gt;</a:t>
+            </a:r>
+          </a:p>
+          <a:p>
+            <a:pPr algn="ctr"/>
+            <a:r>
+              <a:rPr lang="en-US" altLang="ko-KR" sz="1200" dirty="0">
+                <a:solidFill>
+                  <a:schemeClr val="tx1"/>
+                </a:solidFill>
+              </a:rPr>
+              <a:t>Estimation of Target Position</a:t>
+            </a:r>
+          </a:p>
+          <a:p>
+            <a:pPr algn="ctr"/>
+            <a:r>
+              <a:rPr lang="en-US" altLang="ko-KR" sz="1200" dirty="0">
+                <a:solidFill>
+                  <a:schemeClr val="tx1"/>
+                </a:solidFill>
+              </a:rPr>
+              <a:t>(</a:t>
+            </a:r>
+            <a:r>
+              <a:rPr lang="ko-KR" altLang="en-US" sz="1200" dirty="0">
+                <a:solidFill>
+                  <a:schemeClr val="tx1"/>
+                </a:solidFill>
+              </a:rPr>
+              <a:t>타겟의 위치 예측 값 출력</a:t>
+            </a:r>
+            <a:r>
+              <a:rPr lang="en-US" altLang="ko-KR" sz="1200" dirty="0">
+                <a:solidFill>
+                  <a:schemeClr val="tx1"/>
+                </a:solidFill>
+              </a:rPr>
+              <a:t>)</a:t>
+            </a:r>
+            <a:endParaRPr lang="ko-KR" altLang="en-US" sz="1200" dirty="0">
+              <a:solidFill>
+                <a:schemeClr val="tx1"/>
+              </a:solidFill>
+            </a:endParaRPr>
+          </a:p>
+        </p:txBody>
+      </p:sp>
+      <p:sp>
+        <p:nvSpPr>
+          <p:cNvPr id="38" name="사각형: 둥근 모서리 37">
+            <a:extLst>
+              <a:ext uri="{FF2B5EF4-FFF2-40B4-BE49-F238E27FC236}">
+                <a16:creationId xmlns:a16="http://schemas.microsoft.com/office/drawing/2014/main" id="{209F7BAC-7E64-4408-9915-A0A7B5F51A18}"/>
+              </a:ext>
+            </a:extLst>
+          </p:cNvPr>
+          <p:cNvSpPr/>
+          <p:nvPr/>
+        </p:nvSpPr>
+        <p:spPr>
+          <a:xfrm>
+            <a:off x="5504803" y="5154409"/>
+            <a:ext cx="3540137" cy="881075"/>
+          </a:xfrm>
+          <a:prstGeom prst="roundRect">
+            <a:avLst/>
+          </a:prstGeom>
+          <a:solidFill>
+            <a:schemeClr val="accent3">
+              <a:lumMod val="60000"/>
+              <a:lumOff val="40000"/>
+            </a:schemeClr>
+          </a:solidFill>
+          <a:ln>
+            <a:noFill/>
+          </a:ln>
+        </p:spPr>
+        <p:style>
+          <a:lnRef idx="2">
+            <a:schemeClr val="accent1">
+              <a:shade val="50000"/>
+            </a:schemeClr>
+          </a:lnRef>
+          <a:fillRef idx="1">
+            <a:schemeClr val="accent1"/>
+          </a:fillRef>
+          <a:effectRef idx="0">
+            <a:schemeClr val="accent1"/>
+          </a:effectRef>
+          <a:fontRef idx="minor">
+            <a:schemeClr val="lt1"/>
+          </a:fontRef>
+        </p:style>
+        <p:txBody>
+          <a:bodyPr rtlCol="0" anchor="ctr"/>
+          <a:lstStyle/>
+          <a:p>
+            <a:pPr algn="ctr"/>
+            <a:r>
+              <a:rPr lang="en-US" altLang="ko-KR" sz="1200" dirty="0">
+                <a:solidFill>
+                  <a:schemeClr val="tx1"/>
+                </a:solidFill>
+              </a:rPr>
+              <a:t>&lt;0&gt;</a:t>
+            </a:r>
+          </a:p>
+          <a:p>
+            <a:pPr algn="ctr"/>
+            <a:r>
+              <a:rPr lang="en-US" altLang="ko-KR" sz="1200" dirty="0">
+                <a:solidFill>
+                  <a:schemeClr val="tx1"/>
+                </a:solidFill>
+              </a:rPr>
+              <a:t>Quit</a:t>
+            </a:r>
+          </a:p>
+          <a:p>
+            <a:pPr algn="ctr"/>
+            <a:r>
+              <a:rPr lang="en-US" altLang="ko-KR" sz="1200" dirty="0">
+                <a:solidFill>
+                  <a:schemeClr val="tx1"/>
+                </a:solidFill>
+              </a:rPr>
+              <a:t>(</a:t>
+            </a:r>
+            <a:r>
+              <a:rPr lang="ko-KR" altLang="en-US" sz="1200" dirty="0">
+                <a:solidFill>
+                  <a:schemeClr val="tx1"/>
+                </a:solidFill>
+              </a:rPr>
+              <a:t>종료</a:t>
+            </a:r>
+            <a:r>
+              <a:rPr lang="en-US" altLang="ko-KR" sz="1200" dirty="0">
+                <a:solidFill>
+                  <a:schemeClr val="tx1"/>
+                </a:solidFill>
+              </a:rPr>
+              <a:t>)</a:t>
+            </a:r>
+            <a:endParaRPr lang="ko-KR" altLang="en-US" sz="1200" dirty="0">
+              <a:solidFill>
+                <a:schemeClr val="tx1"/>
+              </a:solidFill>
+            </a:endParaRPr>
+          </a:p>
+        </p:txBody>
+      </p:sp>
+    </p:spTree>
+    <p:extLst>
+      <p:ext uri="{BB962C8B-B14F-4D97-AF65-F5344CB8AC3E}">
+        <p14:creationId xmlns:p14="http://schemas.microsoft.com/office/powerpoint/2010/main" val="3533706666"/>
       </p:ext>
     </p:extLst>
   </p:cSld>
